--- a/docs/_assets/Illustratie API standaarden voor ZGW.pptx
+++ b/docs/_assets/Illustratie API standaarden voor ZGW.pptx
@@ -274,7 +274,7 @@
           <a:p>
             <a:fld id="{0A3BE345-ADEF-4272-B1BF-E088245F7373}" type="datetimeFigureOut">
               <a:rPr lang="nl-NL" smtClean="0"/>
-              <a:t>11-12-2019</a:t>
+              <a:t>16-12-2019</a:t>
             </a:fld>
             <a:endParaRPr lang="nl-NL"/>
           </a:p>
@@ -472,7 +472,7 @@
           <a:p>
             <a:fld id="{0A3BE345-ADEF-4272-B1BF-E088245F7373}" type="datetimeFigureOut">
               <a:rPr lang="nl-NL" smtClean="0"/>
-              <a:t>11-12-2019</a:t>
+              <a:t>16-12-2019</a:t>
             </a:fld>
             <a:endParaRPr lang="nl-NL"/>
           </a:p>
@@ -680,7 +680,7 @@
           <a:p>
             <a:fld id="{0A3BE345-ADEF-4272-B1BF-E088245F7373}" type="datetimeFigureOut">
               <a:rPr lang="nl-NL" smtClean="0"/>
-              <a:t>11-12-2019</a:t>
+              <a:t>16-12-2019</a:t>
             </a:fld>
             <a:endParaRPr lang="nl-NL"/>
           </a:p>
@@ -878,7 +878,7 @@
           <a:p>
             <a:fld id="{0A3BE345-ADEF-4272-B1BF-E088245F7373}" type="datetimeFigureOut">
               <a:rPr lang="nl-NL" smtClean="0"/>
-              <a:t>11-12-2019</a:t>
+              <a:t>16-12-2019</a:t>
             </a:fld>
             <a:endParaRPr lang="nl-NL"/>
           </a:p>
@@ -1153,7 +1153,7 @@
           <a:p>
             <a:fld id="{0A3BE345-ADEF-4272-B1BF-E088245F7373}" type="datetimeFigureOut">
               <a:rPr lang="nl-NL" smtClean="0"/>
-              <a:t>11-12-2019</a:t>
+              <a:t>16-12-2019</a:t>
             </a:fld>
             <a:endParaRPr lang="nl-NL"/>
           </a:p>
@@ -1418,7 +1418,7 @@
           <a:p>
             <a:fld id="{0A3BE345-ADEF-4272-B1BF-E088245F7373}" type="datetimeFigureOut">
               <a:rPr lang="nl-NL" smtClean="0"/>
-              <a:t>11-12-2019</a:t>
+              <a:t>16-12-2019</a:t>
             </a:fld>
             <a:endParaRPr lang="nl-NL"/>
           </a:p>
@@ -1830,7 +1830,7 @@
           <a:p>
             <a:fld id="{0A3BE345-ADEF-4272-B1BF-E088245F7373}" type="datetimeFigureOut">
               <a:rPr lang="nl-NL" smtClean="0"/>
-              <a:t>11-12-2019</a:t>
+              <a:t>16-12-2019</a:t>
             </a:fld>
             <a:endParaRPr lang="nl-NL"/>
           </a:p>
@@ -1971,7 +1971,7 @@
           <a:p>
             <a:fld id="{0A3BE345-ADEF-4272-B1BF-E088245F7373}" type="datetimeFigureOut">
               <a:rPr lang="nl-NL" smtClean="0"/>
-              <a:t>11-12-2019</a:t>
+              <a:t>16-12-2019</a:t>
             </a:fld>
             <a:endParaRPr lang="nl-NL"/>
           </a:p>
@@ -2084,7 +2084,7 @@
           <a:p>
             <a:fld id="{0A3BE345-ADEF-4272-B1BF-E088245F7373}" type="datetimeFigureOut">
               <a:rPr lang="nl-NL" smtClean="0"/>
-              <a:t>11-12-2019</a:t>
+              <a:t>16-12-2019</a:t>
             </a:fld>
             <a:endParaRPr lang="nl-NL"/>
           </a:p>
@@ -2395,7 +2395,7 @@
           <a:p>
             <a:fld id="{0A3BE345-ADEF-4272-B1BF-E088245F7373}" type="datetimeFigureOut">
               <a:rPr lang="nl-NL" smtClean="0"/>
-              <a:t>11-12-2019</a:t>
+              <a:t>16-12-2019</a:t>
             </a:fld>
             <a:endParaRPr lang="nl-NL"/>
           </a:p>
@@ -2683,7 +2683,7 @@
           <a:p>
             <a:fld id="{0A3BE345-ADEF-4272-B1BF-E088245F7373}" type="datetimeFigureOut">
               <a:rPr lang="nl-NL" smtClean="0"/>
-              <a:t>11-12-2019</a:t>
+              <a:t>16-12-2019</a:t>
             </a:fld>
             <a:endParaRPr lang="nl-NL"/>
           </a:p>
@@ -2924,7 +2924,7 @@
           <a:p>
             <a:fld id="{0A3BE345-ADEF-4272-B1BF-E088245F7373}" type="datetimeFigureOut">
               <a:rPr lang="nl-NL" smtClean="0"/>
-              <a:t>11-12-2019</a:t>
+              <a:t>16-12-2019</a:t>
             </a:fld>
             <a:endParaRPr lang="nl-NL"/>
           </a:p>
@@ -11289,7 +11289,7 @@
                 <a:latin typeface="Arial" panose="020B0604020202020204" pitchFamily="34" charset="0"/>
                 <a:cs typeface="Arial" panose="020B0604020202020204" pitchFamily="34" charset="0"/>
               </a:rPr>
-              <a:t>Klantinteractie</a:t>
+              <a:t>Klantinteracties</a:t>
             </a:r>
             <a:br>
               <a:rPr lang="nl-NL" sz="900" dirty="0">
@@ -11406,7 +11406,7 @@
                 <a:latin typeface="Arial" panose="020B0604020202020204" pitchFamily="34" charset="0"/>
                 <a:cs typeface="Arial" panose="020B0604020202020204" pitchFamily="34" charset="0"/>
               </a:rPr>
-              <a:t>Klantinteractie-</a:t>
+              <a:t>Klantinteracties-</a:t>
             </a:r>
             <a:br>
               <a:rPr lang="nl-NL" sz="700" dirty="0">
@@ -14804,7 +14804,7 @@
                 <a:latin typeface="Arial" panose="020B0604020202020204" pitchFamily="34" charset="0"/>
                 <a:cs typeface="Arial" panose="020B0604020202020204" pitchFamily="34" charset="0"/>
               </a:rPr>
-              <a:t>Klantinteractie</a:t>
+              <a:t>Klantinteracties</a:t>
             </a:r>
             <a:br>
               <a:rPr lang="nl-NL" sz="900" dirty="0">
@@ -14921,7 +14921,7 @@
                 <a:latin typeface="Arial" panose="020B0604020202020204" pitchFamily="34" charset="0"/>
                 <a:cs typeface="Arial" panose="020B0604020202020204" pitchFamily="34" charset="0"/>
               </a:rPr>
-              <a:t>Klantinteractie-</a:t>
+              <a:t>Klantinteracties-</a:t>
             </a:r>
             <a:br>
               <a:rPr lang="nl-NL" sz="700" dirty="0">
@@ -20358,7 +20358,7 @@
                 <a:latin typeface="Arial" panose="020B0604020202020204" pitchFamily="34" charset="0"/>
                 <a:cs typeface="Arial" panose="020B0604020202020204" pitchFamily="34" charset="0"/>
               </a:rPr>
-              <a:t>Klantinteractie</a:t>
+              <a:t>Klantinteracties</a:t>
             </a:r>
             <a:br>
               <a:rPr lang="nl-NL" sz="900" dirty="0">
@@ -20475,7 +20475,7 @@
                 <a:latin typeface="Arial" panose="020B0604020202020204" pitchFamily="34" charset="0"/>
                 <a:cs typeface="Arial" panose="020B0604020202020204" pitchFamily="34" charset="0"/>
               </a:rPr>
-              <a:t>Klantinteractie-</a:t>
+              <a:t>Klantinteracties-</a:t>
             </a:r>
             <a:br>
               <a:rPr lang="nl-NL" sz="700" dirty="0">
@@ -26090,7 +26090,7 @@
                 <a:latin typeface="Arial" panose="020B0604020202020204" pitchFamily="34" charset="0"/>
                 <a:cs typeface="Arial" panose="020B0604020202020204" pitchFamily="34" charset="0"/>
               </a:rPr>
-              <a:t>Klantinteractie</a:t>
+              <a:t>Klantinteracties</a:t>
             </a:r>
             <a:br>
               <a:rPr lang="nl-NL" sz="900" dirty="0">
@@ -26207,7 +26207,7 @@
                 <a:latin typeface="Arial" panose="020B0604020202020204" pitchFamily="34" charset="0"/>
                 <a:cs typeface="Arial" panose="020B0604020202020204" pitchFamily="34" charset="0"/>
               </a:rPr>
-              <a:t>Klantinteractie-</a:t>
+              <a:t>Klantinteracties-</a:t>
             </a:r>
             <a:br>
               <a:rPr lang="nl-NL" sz="700" dirty="0">
